--- a/AITraining/Fundamentals/Machine Learning/ML Convolutional Neural Networks.pptx
+++ b/AITraining/Fundamentals/Machine Learning/ML Convolutional Neural Networks.pptx
@@ -208,7 +208,7 @@
           <a:p>
             <a:fld id="{FAF957FC-5175-49AC-8D2B-2F056FFFC1DD}" type="datetimeFigureOut">
               <a:rPr lang="en-US" smtClean="0"/>
-              <a:t>11/19/2017</a:t>
+              <a:t>3/26/2018</a:t>
             </a:fld>
             <a:endParaRPr lang="en-US"/>
           </a:p>
@@ -1078,7 +1078,7 @@
             <a:fld id="{1D8BD707-D9CF-40AE-B4C6-C98DA3205C09}" type="datetimeFigureOut">
               <a:rPr lang="en-US" smtClean="0"/>
               <a:pPr/>
-              <a:t>11/19/2017</a:t>
+              <a:t>3/26/2018</a:t>
             </a:fld>
             <a:endParaRPr lang="en-US"/>
           </a:p>
@@ -1245,7 +1245,7 @@
             <a:fld id="{1D8BD707-D9CF-40AE-B4C6-C98DA3205C09}" type="datetimeFigureOut">
               <a:rPr lang="en-US" smtClean="0"/>
               <a:pPr/>
-              <a:t>11/19/2017</a:t>
+              <a:t>3/26/2018</a:t>
             </a:fld>
             <a:endParaRPr lang="en-US"/>
           </a:p>
@@ -1422,7 +1422,7 @@
             <a:fld id="{1D8BD707-D9CF-40AE-B4C6-C98DA3205C09}" type="datetimeFigureOut">
               <a:rPr lang="en-US" smtClean="0"/>
               <a:pPr/>
-              <a:t>11/19/2017</a:t>
+              <a:t>3/26/2018</a:t>
             </a:fld>
             <a:endParaRPr lang="en-US"/>
           </a:p>
@@ -1589,7 +1589,7 @@
             <a:fld id="{1D8BD707-D9CF-40AE-B4C6-C98DA3205C09}" type="datetimeFigureOut">
               <a:rPr lang="en-US" smtClean="0"/>
               <a:pPr/>
-              <a:t>11/19/2017</a:t>
+              <a:t>3/26/2018</a:t>
             </a:fld>
             <a:endParaRPr lang="en-US"/>
           </a:p>
@@ -1832,7 +1832,7 @@
             <a:fld id="{1D8BD707-D9CF-40AE-B4C6-C98DA3205C09}" type="datetimeFigureOut">
               <a:rPr lang="en-US" smtClean="0"/>
               <a:pPr/>
-              <a:t>11/19/2017</a:t>
+              <a:t>3/26/2018</a:t>
             </a:fld>
             <a:endParaRPr lang="en-US"/>
           </a:p>
@@ -2117,7 +2117,7 @@
             <a:fld id="{1D8BD707-D9CF-40AE-B4C6-C98DA3205C09}" type="datetimeFigureOut">
               <a:rPr lang="en-US" smtClean="0"/>
               <a:pPr/>
-              <a:t>11/19/2017</a:t>
+              <a:t>3/26/2018</a:t>
             </a:fld>
             <a:endParaRPr lang="en-US"/>
           </a:p>
@@ -2536,7 +2536,7 @@
             <a:fld id="{1D8BD707-D9CF-40AE-B4C6-C98DA3205C09}" type="datetimeFigureOut">
               <a:rPr lang="en-US" smtClean="0"/>
               <a:pPr/>
-              <a:t>11/19/2017</a:t>
+              <a:t>3/26/2018</a:t>
             </a:fld>
             <a:endParaRPr lang="en-US"/>
           </a:p>
@@ -2651,7 +2651,7 @@
             <a:fld id="{1D8BD707-D9CF-40AE-B4C6-C98DA3205C09}" type="datetimeFigureOut">
               <a:rPr lang="en-US" smtClean="0"/>
               <a:pPr/>
-              <a:t>11/19/2017</a:t>
+              <a:t>3/26/2018</a:t>
             </a:fld>
             <a:endParaRPr lang="en-US"/>
           </a:p>
@@ -2743,7 +2743,7 @@
             <a:fld id="{1D8BD707-D9CF-40AE-B4C6-C98DA3205C09}" type="datetimeFigureOut">
               <a:rPr lang="en-US" smtClean="0"/>
               <a:pPr/>
-              <a:t>11/19/2017</a:t>
+              <a:t>3/26/2018</a:t>
             </a:fld>
             <a:endParaRPr lang="en-US"/>
           </a:p>
@@ -3017,7 +3017,7 @@
             <a:fld id="{1D8BD707-D9CF-40AE-B4C6-C98DA3205C09}" type="datetimeFigureOut">
               <a:rPr lang="en-US" smtClean="0"/>
               <a:pPr/>
-              <a:t>11/19/2017</a:t>
+              <a:t>3/26/2018</a:t>
             </a:fld>
             <a:endParaRPr lang="en-US"/>
           </a:p>
@@ -3267,7 +3267,7 @@
             <a:fld id="{1D8BD707-D9CF-40AE-B4C6-C98DA3205C09}" type="datetimeFigureOut">
               <a:rPr lang="en-US" smtClean="0"/>
               <a:pPr/>
-              <a:t>11/19/2017</a:t>
+              <a:t>3/26/2018</a:t>
             </a:fld>
             <a:endParaRPr lang="en-US"/>
           </a:p>
@@ -3477,7 +3477,7 @@
             <a:fld id="{1D8BD707-D9CF-40AE-B4C6-C98DA3205C09}" type="datetimeFigureOut">
               <a:rPr lang="en-US" smtClean="0"/>
               <a:pPr/>
-              <a:t>11/19/2017</a:t>
+              <a:t>3/26/2018</a:t>
             </a:fld>
             <a:endParaRPr lang="en-US"/>
           </a:p>
@@ -23946,7 +23946,7 @@
         <p:spPr>
           <a:xfrm>
             <a:off x="4772025" y="5091498"/>
-            <a:ext cx="340158" cy="461665"/>
+            <a:ext cx="577402" cy="461665"/>
           </a:xfrm>
           <a:prstGeom prst="rect">
             <a:avLst/>
@@ -23961,7 +23961,7 @@
           <a:p>
             <a:r>
               <a:rPr lang="en-US" sz="2400" b="1" dirty="0" smtClean="0"/>
-              <a:t>3</a:t>
+              <a:t>1.5</a:t>
             </a:r>
             <a:endParaRPr lang="en-US" sz="2400" b="1" dirty="0"/>
           </a:p>
@@ -25350,17 +25350,7 @@
                   </a:schemeClr>
                 </a:solidFill>
               </a:rPr>
-              <a:t> </a:t>
-            </a:r>
-            <a:r>
-              <a:rPr lang="en-US" sz="2800" b="1" dirty="0" smtClean="0">
-                <a:solidFill>
-                  <a:schemeClr val="accent5">
-                    <a:lumMod val="75000"/>
-                  </a:schemeClr>
-                </a:solidFill>
-              </a:rPr>
-              <a:t>– Invented by </a:t>
+              <a:t> – Invented by </a:t>
             </a:r>
             <a:r>
               <a:rPr lang="en-US" sz="2800" b="1" dirty="0" smtClean="0">
@@ -33170,25 +33160,8 @@
                   </a:schemeClr>
                 </a:solidFill>
               </a:rPr>
-              <a:t>Pixel = 0 </a:t>
-            </a:r>
-            <a:r>
-              <a:rPr lang="en-US" sz="1200" dirty="0" smtClean="0">
-                <a:solidFill>
-                  <a:schemeClr val="accent6">
-                    <a:lumMod val="75000"/>
-                  </a:schemeClr>
-                </a:solidFill>
-              </a:rPr>
-              <a:t>(no blue)</a:t>
-            </a:r>
-            <a:endParaRPr lang="en-US" sz="1200" dirty="0" smtClean="0">
-              <a:solidFill>
-                <a:schemeClr val="accent6">
-                  <a:lumMod val="75000"/>
-                </a:schemeClr>
-              </a:solidFill>
-            </a:endParaRPr>
+              <a:t>Pixel = 0 (no blue)</a:t>
+            </a:r>
           </a:p>
         </p:txBody>
       </p:sp>
@@ -34118,25 +34091,8 @@
                   </a:schemeClr>
                 </a:solidFill>
               </a:rPr>
-              <a:t>Pixel = 0 </a:t>
-            </a:r>
-            <a:r>
-              <a:rPr lang="en-US" sz="1200" dirty="0" smtClean="0">
-                <a:solidFill>
-                  <a:schemeClr val="accent6">
-                    <a:lumMod val="75000"/>
-                  </a:schemeClr>
-                </a:solidFill>
-              </a:rPr>
-              <a:t>(no green)</a:t>
-            </a:r>
-            <a:endParaRPr lang="en-US" sz="1200" dirty="0" smtClean="0">
-              <a:solidFill>
-                <a:schemeClr val="accent6">
-                  <a:lumMod val="75000"/>
-                </a:schemeClr>
-              </a:solidFill>
-            </a:endParaRPr>
+              <a:t>Pixel = 0 (no green)</a:t>
+            </a:r>
           </a:p>
         </p:txBody>
       </p:sp>
